--- a/Sistema Fitness.pptx
+++ b/Sistema Fitness.pptx
@@ -8,13 +8,15 @@
     <p:sldId id="256" r:id="rId2"/>
     <p:sldId id="257" r:id="rId3"/>
     <p:sldId id="258" r:id="rId4"/>
-    <p:sldId id="259" r:id="rId5"/>
-    <p:sldId id="260" r:id="rId6"/>
-    <p:sldId id="261" r:id="rId7"/>
-    <p:sldId id="262" r:id="rId8"/>
-    <p:sldId id="264" r:id="rId9"/>
-    <p:sldId id="265" r:id="rId10"/>
-    <p:sldId id="266" r:id="rId11"/>
+    <p:sldId id="267" r:id="rId5"/>
+    <p:sldId id="259" r:id="rId6"/>
+    <p:sldId id="260" r:id="rId7"/>
+    <p:sldId id="261" r:id="rId8"/>
+    <p:sldId id="268" r:id="rId9"/>
+    <p:sldId id="262" r:id="rId10"/>
+    <p:sldId id="264" r:id="rId11"/>
+    <p:sldId id="265" r:id="rId12"/>
+    <p:sldId id="266" r:id="rId13"/>
   </p:sldIdLst>
   <p:sldSz cx="9144000" cy="6858000" type="screen4x3"/>
   <p:notesSz cx="6858000" cy="9144000"/>
@@ -297,6 +299,7 @@
           <a:p>
             <a:fld id="{D880E1EB-7FB9-42BC-A496-95EDB0D533E5}" type="datetimeFigureOut">
               <a:rPr lang="pt-BR" smtClean="0"/>
+              <a:pPr/>
               <a:t>24/09/2014</a:t>
             </a:fld>
             <a:endParaRPr lang="pt-BR"/>
@@ -339,6 +342,7 @@
           <a:p>
             <a:fld id="{54D62FEA-B927-47C0-B7F5-67764D0C5179}" type="slidenum">
               <a:rPr lang="pt-BR" smtClean="0"/>
+              <a:pPr/>
               <a:t>‹nº›</a:t>
             </a:fld>
             <a:endParaRPr lang="pt-BR"/>
@@ -348,7 +352,7 @@
     </p:spTree>
     <p:extLst>
       <p:ext uri="{BB962C8B-B14F-4D97-AF65-F5344CB8AC3E}">
-        <p14:creationId xmlns:p14="http://schemas.microsoft.com/office/powerpoint/2010/main" val="3553526409"/>
+        <p14:creationId xmlns:p14="http://schemas.microsoft.com/office/powerpoint/2010/main" xmlns="" val="3553526409"/>
       </p:ext>
     </p:extLst>
   </p:cSld>
@@ -467,6 +471,7 @@
           <a:p>
             <a:fld id="{D880E1EB-7FB9-42BC-A496-95EDB0D533E5}" type="datetimeFigureOut">
               <a:rPr lang="pt-BR" smtClean="0"/>
+              <a:pPr/>
               <a:t>24/09/2014</a:t>
             </a:fld>
             <a:endParaRPr lang="pt-BR"/>
@@ -509,6 +514,7 @@
           <a:p>
             <a:fld id="{54D62FEA-B927-47C0-B7F5-67764D0C5179}" type="slidenum">
               <a:rPr lang="pt-BR" smtClean="0"/>
+              <a:pPr/>
               <a:t>‹nº›</a:t>
             </a:fld>
             <a:endParaRPr lang="pt-BR"/>
@@ -518,7 +524,7 @@
     </p:spTree>
     <p:extLst>
       <p:ext uri="{BB962C8B-B14F-4D97-AF65-F5344CB8AC3E}">
-        <p14:creationId xmlns:p14="http://schemas.microsoft.com/office/powerpoint/2010/main" val="4110074845"/>
+        <p14:creationId xmlns:p14="http://schemas.microsoft.com/office/powerpoint/2010/main" xmlns="" val="4110074845"/>
       </p:ext>
     </p:extLst>
   </p:cSld>
@@ -647,6 +653,7 @@
           <a:p>
             <a:fld id="{D880E1EB-7FB9-42BC-A496-95EDB0D533E5}" type="datetimeFigureOut">
               <a:rPr lang="pt-BR" smtClean="0"/>
+              <a:pPr/>
               <a:t>24/09/2014</a:t>
             </a:fld>
             <a:endParaRPr lang="pt-BR"/>
@@ -689,6 +696,7 @@
           <a:p>
             <a:fld id="{54D62FEA-B927-47C0-B7F5-67764D0C5179}" type="slidenum">
               <a:rPr lang="pt-BR" smtClean="0"/>
+              <a:pPr/>
               <a:t>‹nº›</a:t>
             </a:fld>
             <a:endParaRPr lang="pt-BR"/>
@@ -698,7 +706,7 @@
     </p:spTree>
     <p:extLst>
       <p:ext uri="{BB962C8B-B14F-4D97-AF65-F5344CB8AC3E}">
-        <p14:creationId xmlns:p14="http://schemas.microsoft.com/office/powerpoint/2010/main" val="141538403"/>
+        <p14:creationId xmlns:p14="http://schemas.microsoft.com/office/powerpoint/2010/main" xmlns="" val="141538403"/>
       </p:ext>
     </p:extLst>
   </p:cSld>
@@ -817,6 +825,7 @@
           <a:p>
             <a:fld id="{D880E1EB-7FB9-42BC-A496-95EDB0D533E5}" type="datetimeFigureOut">
               <a:rPr lang="pt-BR" smtClean="0"/>
+              <a:pPr/>
               <a:t>24/09/2014</a:t>
             </a:fld>
             <a:endParaRPr lang="pt-BR"/>
@@ -859,6 +868,7 @@
           <a:p>
             <a:fld id="{54D62FEA-B927-47C0-B7F5-67764D0C5179}" type="slidenum">
               <a:rPr lang="pt-BR" smtClean="0"/>
+              <a:pPr/>
               <a:t>‹nº›</a:t>
             </a:fld>
             <a:endParaRPr lang="pt-BR"/>
@@ -868,7 +878,7 @@
     </p:spTree>
     <p:extLst>
       <p:ext uri="{BB962C8B-B14F-4D97-AF65-F5344CB8AC3E}">
-        <p14:creationId xmlns:p14="http://schemas.microsoft.com/office/powerpoint/2010/main" val="1785646000"/>
+        <p14:creationId xmlns:p14="http://schemas.microsoft.com/office/powerpoint/2010/main" xmlns="" val="1785646000"/>
       </p:ext>
     </p:extLst>
   </p:cSld>
@@ -1063,6 +1073,7 @@
           <a:p>
             <a:fld id="{D880E1EB-7FB9-42BC-A496-95EDB0D533E5}" type="datetimeFigureOut">
               <a:rPr lang="pt-BR" smtClean="0"/>
+              <a:pPr/>
               <a:t>24/09/2014</a:t>
             </a:fld>
             <a:endParaRPr lang="pt-BR"/>
@@ -1105,6 +1116,7 @@
           <a:p>
             <a:fld id="{54D62FEA-B927-47C0-B7F5-67764D0C5179}" type="slidenum">
               <a:rPr lang="pt-BR" smtClean="0"/>
+              <a:pPr/>
               <a:t>‹nº›</a:t>
             </a:fld>
             <a:endParaRPr lang="pt-BR"/>
@@ -1114,7 +1126,7 @@
     </p:spTree>
     <p:extLst>
       <p:ext uri="{BB962C8B-B14F-4D97-AF65-F5344CB8AC3E}">
-        <p14:creationId xmlns:p14="http://schemas.microsoft.com/office/powerpoint/2010/main" val="23406802"/>
+        <p14:creationId xmlns:p14="http://schemas.microsoft.com/office/powerpoint/2010/main" xmlns="" val="23406802"/>
       </p:ext>
     </p:extLst>
   </p:cSld>
@@ -1351,6 +1363,7 @@
           <a:p>
             <a:fld id="{D880E1EB-7FB9-42BC-A496-95EDB0D533E5}" type="datetimeFigureOut">
               <a:rPr lang="pt-BR" smtClean="0"/>
+              <a:pPr/>
               <a:t>24/09/2014</a:t>
             </a:fld>
             <a:endParaRPr lang="pt-BR"/>
@@ -1393,6 +1406,7 @@
           <a:p>
             <a:fld id="{54D62FEA-B927-47C0-B7F5-67764D0C5179}" type="slidenum">
               <a:rPr lang="pt-BR" smtClean="0"/>
+              <a:pPr/>
               <a:t>‹nº›</a:t>
             </a:fld>
             <a:endParaRPr lang="pt-BR"/>
@@ -1402,7 +1416,7 @@
     </p:spTree>
     <p:extLst>
       <p:ext uri="{BB962C8B-B14F-4D97-AF65-F5344CB8AC3E}">
-        <p14:creationId xmlns:p14="http://schemas.microsoft.com/office/powerpoint/2010/main" val="560498671"/>
+        <p14:creationId xmlns:p14="http://schemas.microsoft.com/office/powerpoint/2010/main" xmlns="" val="560498671"/>
       </p:ext>
     </p:extLst>
   </p:cSld>
@@ -1773,6 +1787,7 @@
           <a:p>
             <a:fld id="{D880E1EB-7FB9-42BC-A496-95EDB0D533E5}" type="datetimeFigureOut">
               <a:rPr lang="pt-BR" smtClean="0"/>
+              <a:pPr/>
               <a:t>24/09/2014</a:t>
             </a:fld>
             <a:endParaRPr lang="pt-BR"/>
@@ -1815,6 +1830,7 @@
           <a:p>
             <a:fld id="{54D62FEA-B927-47C0-B7F5-67764D0C5179}" type="slidenum">
               <a:rPr lang="pt-BR" smtClean="0"/>
+              <a:pPr/>
               <a:t>‹nº›</a:t>
             </a:fld>
             <a:endParaRPr lang="pt-BR"/>
@@ -1824,7 +1840,7 @@
     </p:spTree>
     <p:extLst>
       <p:ext uri="{BB962C8B-B14F-4D97-AF65-F5344CB8AC3E}">
-        <p14:creationId xmlns:p14="http://schemas.microsoft.com/office/powerpoint/2010/main" val="3690051742"/>
+        <p14:creationId xmlns:p14="http://schemas.microsoft.com/office/powerpoint/2010/main" xmlns="" val="3690051742"/>
       </p:ext>
     </p:extLst>
   </p:cSld>
@@ -1891,6 +1907,7 @@
           <a:p>
             <a:fld id="{D880E1EB-7FB9-42BC-A496-95EDB0D533E5}" type="datetimeFigureOut">
               <a:rPr lang="pt-BR" smtClean="0"/>
+              <a:pPr/>
               <a:t>24/09/2014</a:t>
             </a:fld>
             <a:endParaRPr lang="pt-BR"/>
@@ -1933,6 +1950,7 @@
           <a:p>
             <a:fld id="{54D62FEA-B927-47C0-B7F5-67764D0C5179}" type="slidenum">
               <a:rPr lang="pt-BR" smtClean="0"/>
+              <a:pPr/>
               <a:t>‹nº›</a:t>
             </a:fld>
             <a:endParaRPr lang="pt-BR"/>
@@ -1942,7 +1960,7 @@
     </p:spTree>
     <p:extLst>
       <p:ext uri="{BB962C8B-B14F-4D97-AF65-F5344CB8AC3E}">
-        <p14:creationId xmlns:p14="http://schemas.microsoft.com/office/powerpoint/2010/main" val="2175174518"/>
+        <p14:creationId xmlns:p14="http://schemas.microsoft.com/office/powerpoint/2010/main" xmlns="" val="2175174518"/>
       </p:ext>
     </p:extLst>
   </p:cSld>
@@ -1986,6 +2004,7 @@
           <a:p>
             <a:fld id="{D880E1EB-7FB9-42BC-A496-95EDB0D533E5}" type="datetimeFigureOut">
               <a:rPr lang="pt-BR" smtClean="0"/>
+              <a:pPr/>
               <a:t>24/09/2014</a:t>
             </a:fld>
             <a:endParaRPr lang="pt-BR"/>
@@ -2028,6 +2047,7 @@
           <a:p>
             <a:fld id="{54D62FEA-B927-47C0-B7F5-67764D0C5179}" type="slidenum">
               <a:rPr lang="pt-BR" smtClean="0"/>
+              <a:pPr/>
               <a:t>‹nº›</a:t>
             </a:fld>
             <a:endParaRPr lang="pt-BR"/>
@@ -2037,7 +2057,7 @@
     </p:spTree>
     <p:extLst>
       <p:ext uri="{BB962C8B-B14F-4D97-AF65-F5344CB8AC3E}">
-        <p14:creationId xmlns:p14="http://schemas.microsoft.com/office/powerpoint/2010/main" val="4284898186"/>
+        <p14:creationId xmlns:p14="http://schemas.microsoft.com/office/powerpoint/2010/main" xmlns="" val="4284898186"/>
       </p:ext>
     </p:extLst>
   </p:cSld>
@@ -2263,6 +2283,7 @@
           <a:p>
             <a:fld id="{D880E1EB-7FB9-42BC-A496-95EDB0D533E5}" type="datetimeFigureOut">
               <a:rPr lang="pt-BR" smtClean="0"/>
+              <a:pPr/>
               <a:t>24/09/2014</a:t>
             </a:fld>
             <a:endParaRPr lang="pt-BR"/>
@@ -2305,6 +2326,7 @@
           <a:p>
             <a:fld id="{54D62FEA-B927-47C0-B7F5-67764D0C5179}" type="slidenum">
               <a:rPr lang="pt-BR" smtClean="0"/>
+              <a:pPr/>
               <a:t>‹nº›</a:t>
             </a:fld>
             <a:endParaRPr lang="pt-BR"/>
@@ -2314,7 +2336,7 @@
     </p:spTree>
     <p:extLst>
       <p:ext uri="{BB962C8B-B14F-4D97-AF65-F5344CB8AC3E}">
-        <p14:creationId xmlns:p14="http://schemas.microsoft.com/office/powerpoint/2010/main" val="4094938689"/>
+        <p14:creationId xmlns:p14="http://schemas.microsoft.com/office/powerpoint/2010/main" xmlns="" val="4094938689"/>
       </p:ext>
     </p:extLst>
   </p:cSld>
@@ -2516,6 +2538,7 @@
           <a:p>
             <a:fld id="{D880E1EB-7FB9-42BC-A496-95EDB0D533E5}" type="datetimeFigureOut">
               <a:rPr lang="pt-BR" smtClean="0"/>
+              <a:pPr/>
               <a:t>24/09/2014</a:t>
             </a:fld>
             <a:endParaRPr lang="pt-BR"/>
@@ -2558,6 +2581,7 @@
           <a:p>
             <a:fld id="{54D62FEA-B927-47C0-B7F5-67764D0C5179}" type="slidenum">
               <a:rPr lang="pt-BR" smtClean="0"/>
+              <a:pPr/>
               <a:t>‹nº›</a:t>
             </a:fld>
             <a:endParaRPr lang="pt-BR"/>
@@ -2567,7 +2591,7 @@
     </p:spTree>
     <p:extLst>
       <p:ext uri="{BB962C8B-B14F-4D97-AF65-F5344CB8AC3E}">
-        <p14:creationId xmlns:p14="http://schemas.microsoft.com/office/powerpoint/2010/main" val="899997200"/>
+        <p14:creationId xmlns:p14="http://schemas.microsoft.com/office/powerpoint/2010/main" xmlns="" val="899997200"/>
       </p:ext>
     </p:extLst>
   </p:cSld>
@@ -2729,6 +2753,7 @@
           <a:p>
             <a:fld id="{D880E1EB-7FB9-42BC-A496-95EDB0D533E5}" type="datetimeFigureOut">
               <a:rPr lang="pt-BR" smtClean="0"/>
+              <a:pPr/>
               <a:t>24/09/2014</a:t>
             </a:fld>
             <a:endParaRPr lang="pt-BR"/>
@@ -2807,6 +2832,7 @@
           <a:p>
             <a:fld id="{54D62FEA-B927-47C0-B7F5-67764D0C5179}" type="slidenum">
               <a:rPr lang="pt-BR" smtClean="0"/>
+              <a:pPr/>
               <a:t>‹nº›</a:t>
             </a:fld>
             <a:endParaRPr lang="pt-BR"/>
@@ -2816,7 +2842,7 @@
     </p:spTree>
     <p:extLst>
       <p:ext uri="{BB962C8B-B14F-4D97-AF65-F5344CB8AC3E}">
-        <p14:creationId xmlns:p14="http://schemas.microsoft.com/office/powerpoint/2010/main" val="1835946340"/>
+        <p14:creationId xmlns:p14="http://schemas.microsoft.com/office/powerpoint/2010/main" xmlns="" val="1835946340"/>
       </p:ext>
     </p:extLst>
   </p:cSld>
@@ -3164,20 +3190,20 @@
               <a:t>Equipe: </a:t>
             </a:r>
             <a:r>
-              <a:rPr lang="pt-BR" sz="2400" dirty="0" err="1" smtClean="0">
-                <a:solidFill>
-                  <a:schemeClr val="tx1"/>
-                </a:solidFill>
-              </a:rPr>
-              <a:t>Fracesco</a:t>
-            </a:r>
-            <a:r>
               <a:rPr lang="pt-BR" sz="2400" dirty="0" smtClean="0">
                 <a:solidFill>
                   <a:schemeClr val="tx1"/>
                 </a:solidFill>
               </a:rPr>
-              <a:t> de Souza </a:t>
+              <a:t> Francesco </a:t>
+            </a:r>
+            <a:r>
+              <a:rPr lang="pt-BR" sz="2400" dirty="0" smtClean="0">
+                <a:solidFill>
+                  <a:schemeClr val="tx1"/>
+                </a:solidFill>
+              </a:rPr>
+              <a:t>de Souza </a:t>
             </a:r>
             <a:r>
               <a:rPr lang="pt-BR" sz="2400" dirty="0" err="1" smtClean="0">
@@ -3267,7 +3293,7 @@
     </p:spTree>
     <p:extLst>
       <p:ext uri="{BB962C8B-B14F-4D97-AF65-F5344CB8AC3E}">
-        <p14:creationId xmlns:p14="http://schemas.microsoft.com/office/powerpoint/2010/main" val="2715160966"/>
+        <p14:creationId xmlns:p14="http://schemas.microsoft.com/office/powerpoint/2010/main" xmlns="" val="2715160966"/>
       </p:ext>
     </p:extLst>
   </p:cSld>
@@ -3303,10 +3329,190 @@
           <p:nvPr/>
         </p:nvPicPr>
         <p:blipFill>
-          <a:blip r:embed="rId2">
+          <a:blip r:embed="rId2" cstate="print">
             <a:extLst>
               <a:ext uri="{28A0092B-C50C-407E-A947-70E740481C1C}">
-                <a14:useLocalDpi xmlns:a14="http://schemas.microsoft.com/office/drawing/2010/main" val="0"/>
+                <a14:useLocalDpi xmlns:a14="http://schemas.microsoft.com/office/drawing/2010/main" xmlns="" val="0"/>
+              </a:ext>
+            </a:extLst>
+          </a:blip>
+          <a:stretch>
+            <a:fillRect/>
+          </a:stretch>
+        </p:blipFill>
+        <p:spPr>
+          <a:xfrm>
+            <a:off x="0" y="1268760"/>
+            <a:ext cx="9144000" cy="3187679"/>
+          </a:xfrm>
+          <a:prstGeom prst="rect">
+            <a:avLst/>
+          </a:prstGeom>
+        </p:spPr>
+      </p:pic>
+      <p:sp>
+        <p:nvSpPr>
+          <p:cNvPr id="3" name="CaixaDeTexto 2"/>
+          <p:cNvSpPr txBox="1"/>
+          <p:nvPr/>
+        </p:nvSpPr>
+        <p:spPr>
+          <a:xfrm>
+            <a:off x="2337830" y="5229200"/>
+            <a:ext cx="4468339" cy="523220"/>
+          </a:xfrm>
+          <a:prstGeom prst="rect">
+            <a:avLst/>
+          </a:prstGeom>
+          <a:noFill/>
+        </p:spPr>
+        <p:txBody>
+          <a:bodyPr wrap="none" rtlCol="0">
+            <a:spAutoFit/>
+          </a:bodyPr>
+          <a:lstStyle/>
+          <a:p>
+            <a:r>
+              <a:rPr lang="pt-BR" sz="2800" dirty="0" smtClean="0"/>
+              <a:t>Diagrama de Tempo – Parte 1</a:t>
+            </a:r>
+            <a:endParaRPr lang="pt-BR" sz="2800" dirty="0"/>
+          </a:p>
+        </p:txBody>
+      </p:sp>
+    </p:spTree>
+    <p:extLst>
+      <p:ext uri="{BB962C8B-B14F-4D97-AF65-F5344CB8AC3E}">
+        <p14:creationId xmlns:p14="http://schemas.microsoft.com/office/powerpoint/2010/main" xmlns="" val="1841055566"/>
+      </p:ext>
+    </p:extLst>
+  </p:cSld>
+  <p:clrMapOvr>
+    <a:masterClrMapping/>
+  </p:clrMapOvr>
+</p:sld>
+</file>
+
+<file path=ppt/slides/slide11.xml><?xml version="1.0" encoding="utf-8"?>
+<p:sld xmlns:a="http://schemas.openxmlformats.org/drawingml/2006/main" xmlns:r="http://schemas.openxmlformats.org/officeDocument/2006/relationships" xmlns:p="http://schemas.openxmlformats.org/presentationml/2006/main">
+  <p:cSld>
+    <p:spTree>
+      <p:nvGrpSpPr>
+        <p:cNvPr id="1" name=""/>
+        <p:cNvGrpSpPr/>
+        <p:nvPr/>
+      </p:nvGrpSpPr>
+      <p:grpSpPr>
+        <a:xfrm>
+          <a:off x="0" y="0"/>
+          <a:ext cx="0" cy="0"/>
+          <a:chOff x="0" y="0"/>
+          <a:chExt cx="0" cy="0"/>
+        </a:xfrm>
+      </p:grpSpPr>
+      <p:pic>
+        <p:nvPicPr>
+          <p:cNvPr id="2" name="Imagem 1"/>
+          <p:cNvPicPr>
+            <a:picLocks noChangeAspect="1"/>
+          </p:cNvPicPr>
+          <p:nvPr/>
+        </p:nvPicPr>
+        <p:blipFill>
+          <a:blip r:embed="rId2" cstate="print">
+            <a:extLst>
+              <a:ext uri="{28A0092B-C50C-407E-A947-70E740481C1C}">
+                <a14:useLocalDpi xmlns:a14="http://schemas.microsoft.com/office/drawing/2010/main" xmlns="" val="0"/>
+              </a:ext>
+            </a:extLst>
+          </a:blip>
+          <a:stretch>
+            <a:fillRect/>
+          </a:stretch>
+        </p:blipFill>
+        <p:spPr>
+          <a:xfrm>
+            <a:off x="0" y="1340768"/>
+            <a:ext cx="9144000" cy="3202645"/>
+          </a:xfrm>
+          <a:prstGeom prst="rect">
+            <a:avLst/>
+          </a:prstGeom>
+        </p:spPr>
+      </p:pic>
+      <p:sp>
+        <p:nvSpPr>
+          <p:cNvPr id="3" name="CaixaDeTexto 2"/>
+          <p:cNvSpPr txBox="1"/>
+          <p:nvPr/>
+        </p:nvSpPr>
+        <p:spPr>
+          <a:xfrm>
+            <a:off x="2337830" y="5229200"/>
+            <a:ext cx="4468339" cy="523220"/>
+          </a:xfrm>
+          <a:prstGeom prst="rect">
+            <a:avLst/>
+          </a:prstGeom>
+          <a:noFill/>
+        </p:spPr>
+        <p:txBody>
+          <a:bodyPr wrap="none" rtlCol="0">
+            <a:spAutoFit/>
+          </a:bodyPr>
+          <a:lstStyle/>
+          <a:p>
+            <a:r>
+              <a:rPr lang="pt-BR" sz="2800" dirty="0" smtClean="0"/>
+              <a:t>Diagrama de Tempo – Parte 2</a:t>
+            </a:r>
+            <a:endParaRPr lang="pt-BR" sz="2800" dirty="0"/>
+          </a:p>
+        </p:txBody>
+      </p:sp>
+    </p:spTree>
+    <p:extLst>
+      <p:ext uri="{BB962C8B-B14F-4D97-AF65-F5344CB8AC3E}">
+        <p14:creationId xmlns:p14="http://schemas.microsoft.com/office/powerpoint/2010/main" xmlns="" val="3388877572"/>
+      </p:ext>
+    </p:extLst>
+  </p:cSld>
+  <p:clrMapOvr>
+    <a:masterClrMapping/>
+  </p:clrMapOvr>
+</p:sld>
+</file>
+
+<file path=ppt/slides/slide12.xml><?xml version="1.0" encoding="utf-8"?>
+<p:sld xmlns:a="http://schemas.openxmlformats.org/drawingml/2006/main" xmlns:r="http://schemas.openxmlformats.org/officeDocument/2006/relationships" xmlns:p="http://schemas.openxmlformats.org/presentationml/2006/main">
+  <p:cSld>
+    <p:spTree>
+      <p:nvGrpSpPr>
+        <p:cNvPr id="1" name=""/>
+        <p:cNvGrpSpPr/>
+        <p:nvPr/>
+      </p:nvGrpSpPr>
+      <p:grpSpPr>
+        <a:xfrm>
+          <a:off x="0" y="0"/>
+          <a:ext cx="0" cy="0"/>
+          <a:chOff x="0" y="0"/>
+          <a:chExt cx="0" cy="0"/>
+        </a:xfrm>
+      </p:grpSpPr>
+      <p:pic>
+        <p:nvPicPr>
+          <p:cNvPr id="2" name="Imagem 1"/>
+          <p:cNvPicPr>
+            <a:picLocks noChangeAspect="1"/>
+          </p:cNvPicPr>
+          <p:nvPr/>
+        </p:nvPicPr>
+        <p:blipFill>
+          <a:blip r:embed="rId2" cstate="print">
+            <a:extLst>
+              <a:ext uri="{28A0092B-C50C-407E-A947-70E740481C1C}">
+                <a14:useLocalDpi xmlns:a14="http://schemas.microsoft.com/office/drawing/2010/main" xmlns="" val="0"/>
               </a:ext>
             </a:extLst>
           </a:blip>
@@ -3356,7 +3562,7 @@
     </p:spTree>
     <p:extLst>
       <p:ext uri="{BB962C8B-B14F-4D97-AF65-F5344CB8AC3E}">
-        <p14:creationId xmlns:p14="http://schemas.microsoft.com/office/powerpoint/2010/main" val="2379850041"/>
+        <p14:creationId xmlns:p14="http://schemas.microsoft.com/office/powerpoint/2010/main" xmlns="" val="2379850041"/>
       </p:ext>
     </p:extLst>
   </p:cSld>
@@ -3407,10 +3613,10 @@
           <a:p>
             <a:pPr algn="l"/>
             <a:r>
-              <a:rPr lang="pt-BR" sz="3200" dirty="0" smtClean="0"/>
+              <a:rPr lang="pt-BR" sz="4000" dirty="0" smtClean="0"/>
               <a:t>Descrição do sistema:</a:t>
             </a:r>
-            <a:endParaRPr lang="pt-BR" sz="3200" dirty="0"/>
+            <a:endParaRPr lang="pt-BR" sz="4000" dirty="0"/>
           </a:p>
         </p:txBody>
       </p:sp>
@@ -3427,57 +3633,53 @@
         <p:spPr>
           <a:xfrm>
             <a:off x="395536" y="1700808"/>
-            <a:ext cx="8229600" cy="3773016"/>
+            <a:ext cx="8229600" cy="4176464"/>
           </a:xfrm>
         </p:spPr>
         <p:txBody>
           <a:bodyPr>
-            <a:normAutofit/>
+            <a:noAutofit/>
           </a:bodyPr>
           <a:lstStyle/>
           <a:p>
             <a:pPr algn="just"/>
             <a:r>
-              <a:rPr lang="pt-BR" sz="2800" dirty="0" smtClean="0"/>
+              <a:rPr lang="pt-BR" sz="3600" dirty="0" smtClean="0"/>
               <a:t>O sistema deve permitir o cadastro de alunos, funcionários e equipamentos.</a:t>
             </a:r>
           </a:p>
           <a:p>
             <a:pPr algn="just"/>
             <a:r>
-              <a:rPr lang="pt-BR" sz="2800" dirty="0" smtClean="0"/>
+              <a:rPr lang="pt-BR" sz="3600" dirty="0" smtClean="0"/>
               <a:t>Controle de mensalidade, acesso, turmas e avaliações.</a:t>
             </a:r>
           </a:p>
           <a:p>
             <a:pPr algn="just"/>
             <a:r>
-              <a:rPr lang="pt-BR" sz="2800" dirty="0" smtClean="0"/>
+              <a:rPr lang="pt-BR" sz="3600" dirty="0" smtClean="0"/>
               <a:t>Prescrição de treinos e consulta ao quadro de horários.</a:t>
             </a:r>
           </a:p>
           <a:p>
             <a:pPr algn="just"/>
             <a:r>
-              <a:rPr lang="pt-BR" sz="2800" dirty="0" smtClean="0"/>
+              <a:rPr lang="pt-BR" sz="3600" dirty="0" smtClean="0"/>
               <a:t>O sistema deve ser </a:t>
             </a:r>
             <a:r>
-              <a:rPr lang="pt-BR" sz="2800" dirty="0" err="1" smtClean="0"/>
-              <a:t>multi-usuário</a:t>
-            </a:r>
-            <a:r>
-              <a:rPr lang="pt-BR" sz="2800" dirty="0" smtClean="0"/>
-              <a:t>.</a:t>
-            </a:r>
-            <a:endParaRPr lang="pt-BR" sz="2800" dirty="0"/>
+              <a:rPr lang="pt-BR" sz="3600" dirty="0" smtClean="0"/>
+              <a:t>multiusuário.</a:t>
+            </a:r>
+            <a:endParaRPr lang="pt-BR" sz="3600" dirty="0"/>
           </a:p>
         </p:txBody>
       </p:sp>
     </p:spTree>
     <p:extLst>
       <p:ext uri="{BB962C8B-B14F-4D97-AF65-F5344CB8AC3E}">
-        <p14:creationId xmlns:p14="http://schemas.microsoft.com/office/powerpoint/2010/main" val="2628400989"/>
+        <p14:creationId xmlns:p14="http://schemas.microsoft.com/office/powerpoint/2010/main" xmlns="" val="2628400989"/>
       </p:ext>
     </p:extLst>
   </p:cSld>
@@ -3523,10 +3725,10 @@
           <a:p>
             <a:pPr algn="l"/>
             <a:r>
-              <a:rPr lang="pt-BR" sz="3200" dirty="0" smtClean="0"/>
+              <a:rPr lang="pt-BR" sz="4000" dirty="0" smtClean="0"/>
               <a:t>MS Project:</a:t>
             </a:r>
-            <a:endParaRPr lang="pt-BR" sz="3200" dirty="0"/>
+            <a:endParaRPr lang="pt-BR" sz="4000" dirty="0"/>
           </a:p>
         </p:txBody>
       </p:sp>
@@ -3543,7 +3745,7 @@
         <p:spPr/>
         <p:txBody>
           <a:bodyPr>
-            <a:normAutofit fontScale="92500"/>
+            <a:noAutofit/>
           </a:bodyPr>
           <a:lstStyle/>
           <a:p>
@@ -3551,63 +3753,60 @@
               <a:buNone/>
             </a:pPr>
             <a:r>
-              <a:rPr lang="pt-BR" sz="3000" dirty="0" smtClean="0"/>
+              <a:rPr lang="pt-BR" sz="3600" dirty="0" smtClean="0"/>
               <a:t>Possui </a:t>
             </a:r>
             <a:r>
-              <a:rPr lang="pt-BR" sz="3000" dirty="0"/>
+              <a:rPr lang="pt-BR" sz="3600" dirty="0"/>
               <a:t>recursos relacionados à gestão de projetos. São vários os focos do </a:t>
             </a:r>
             <a:r>
-              <a:rPr lang="pt-BR" sz="3000" dirty="0" err="1"/>
-              <a:t>Ms</a:t>
-            </a:r>
-            <a:r>
-              <a:rPr lang="pt-BR" sz="3000" dirty="0"/>
-              <a:t> Project: </a:t>
-            </a:r>
-            <a:r>
-              <a:rPr lang="pt-BR" sz="3000" dirty="0" smtClean="0"/>
+              <a:rPr lang="pt-BR" sz="3600" dirty="0" smtClean="0"/>
+              <a:t>MS </a:t>
+            </a:r>
+            <a:r>
+              <a:rPr lang="pt-BR" sz="3600" dirty="0"/>
+              <a:t>Project: </a:t>
+            </a:r>
+            <a:r>
+              <a:rPr lang="pt-BR" sz="3600" dirty="0" smtClean="0"/>
               <a:t>tempo, </a:t>
             </a:r>
             <a:r>
-              <a:rPr lang="pt-BR" sz="3000" dirty="0"/>
+              <a:rPr lang="pt-BR" sz="3600" dirty="0"/>
               <a:t>Gráfico de </a:t>
             </a:r>
             <a:r>
-              <a:rPr lang="pt-BR" sz="3000" dirty="0" err="1"/>
+              <a:rPr lang="pt-BR" sz="3600" dirty="0" err="1"/>
               <a:t>Gantt</a:t>
             </a:r>
             <a:r>
-              <a:rPr lang="pt-BR" sz="3000" dirty="0"/>
+              <a:rPr lang="pt-BR" sz="3600" dirty="0"/>
               <a:t>, modelo </a:t>
             </a:r>
             <a:r>
-              <a:rPr lang="pt-BR" sz="3000" dirty="0" smtClean="0"/>
+              <a:rPr lang="pt-BR" sz="3600" dirty="0" smtClean="0"/>
               <a:t>probabilístico, </a:t>
             </a:r>
             <a:r>
-              <a:rPr lang="pt-BR" sz="3000" dirty="0"/>
+              <a:rPr lang="pt-BR" sz="3600" dirty="0"/>
               <a:t>Diagrama da Rede, Custos </a:t>
             </a:r>
             <a:r>
-              <a:rPr lang="pt-BR" sz="3000" dirty="0" smtClean="0"/>
+              <a:rPr lang="pt-BR" sz="3600" dirty="0" smtClean="0"/>
               <a:t>e </a:t>
             </a:r>
             <a:r>
-              <a:rPr lang="pt-BR" sz="3000" dirty="0"/>
-              <a:t>uma gama de relatórios. No geral, baseia-se no modelo Diagrama de Rede, utiliza tabelas no processo de entrada de dados, permite uso de subprojetos, possui recursos para agrupar, filtrar e classificar tarefas, possui um conjunto padrão de relatórios e os usuários podem criar seus próprios relatórios, permite definição de “semana de trabalho”, etc.</a:t>
-            </a:r>
-          </a:p>
-          <a:p>
-            <a:endParaRPr lang="pt-BR" dirty="0"/>
+              <a:rPr lang="pt-BR" sz="3600" dirty="0"/>
+              <a:t>uma gama de relatórios. No geral, baseia-se no modelo Diagrama de Rede, utiliza tabelas no processo de entrada de dados, </a:t>
+            </a:r>
           </a:p>
         </p:txBody>
       </p:sp>
     </p:spTree>
     <p:extLst>
       <p:ext uri="{BB962C8B-B14F-4D97-AF65-F5344CB8AC3E}">
-        <p14:creationId xmlns:p14="http://schemas.microsoft.com/office/powerpoint/2010/main" val="1391058596"/>
+        <p14:creationId xmlns:p14="http://schemas.microsoft.com/office/powerpoint/2010/main" xmlns="" val="1391058596"/>
       </p:ext>
     </p:extLst>
   </p:cSld>
@@ -3653,10 +3852,10 @@
           <a:p>
             <a:pPr algn="l"/>
             <a:r>
-              <a:rPr lang="pt-BR" sz="3200" dirty="0" smtClean="0"/>
-              <a:t>Modelo Cascata:</a:t>
-            </a:r>
-            <a:endParaRPr lang="pt-BR" sz="3200" dirty="0"/>
+              <a:rPr lang="pt-BR" sz="4000" dirty="0" smtClean="0"/>
+              <a:t>MS Project:</a:t>
+            </a:r>
+            <a:endParaRPr lang="pt-BR" sz="4000" dirty="0"/>
           </a:p>
         </p:txBody>
       </p:sp>
@@ -3670,83 +3869,44 @@
             <p:ph idx="1"/>
           </p:nvPr>
         </p:nvSpPr>
-        <p:spPr/>
+        <p:spPr>
+          <a:xfrm>
+            <a:off x="467544" y="836712"/>
+            <a:ext cx="8229600" cy="4525963"/>
+          </a:xfrm>
+        </p:spPr>
         <p:txBody>
           <a:bodyPr>
-            <a:normAutofit fontScale="92500"/>
+            <a:noAutofit/>
           </a:bodyPr>
           <a:lstStyle/>
           <a:p>
-            <a:pPr marL="0" indent="0" algn="just">
-              <a:lnSpc>
-                <a:spcPct val="110000"/>
-              </a:lnSpc>
-              <a:spcBef>
-                <a:spcPts val="150"/>
-              </a:spcBef>
+            <a:pPr marL="0" indent="450000" algn="just">
               <a:buNone/>
             </a:pPr>
             <a:r>
-              <a:rPr lang="pt-BR" dirty="0" smtClean="0"/>
-              <a:t>	</a:t>
-            </a:r>
-            <a:r>
-              <a:rPr lang="pt-BR" sz="3000" dirty="0" smtClean="0"/>
-              <a:t>Esse modelo deixa bem definida cada etapa de trabalho e não permiti voltar a etapa anterior.</a:t>
-            </a:r>
-          </a:p>
-          <a:p>
-            <a:pPr marL="0" indent="0" algn="just">
-              <a:lnSpc>
-                <a:spcPct val="110000"/>
-              </a:lnSpc>
-              <a:spcBef>
-                <a:spcPts val="150"/>
-              </a:spcBef>
-              <a:buNone/>
-            </a:pPr>
-            <a:r>
-              <a:rPr lang="pt-BR" sz="3000" dirty="0" smtClean="0"/>
-              <a:t>	Tal modelo se encaixa bem no nosso sistema pelo fato do sistema ser bem simples, de fácil captura de requisitos e não demanda tanto conhecimento específico. </a:t>
-            </a:r>
-          </a:p>
-          <a:p>
-            <a:pPr marL="0" indent="0" algn="just">
-              <a:lnSpc>
-                <a:spcPct val="110000"/>
-              </a:lnSpc>
-              <a:spcBef>
-                <a:spcPts val="150"/>
-              </a:spcBef>
-              <a:buNone/>
-            </a:pPr>
-            <a:r>
-              <a:rPr lang="pt-BR" sz="3000" dirty="0" smtClean="0"/>
-              <a:t>	Com apenas uma passada por etapa é possível entender que o processo foi concluído com êxito</a:t>
-            </a:r>
-          </a:p>
-          <a:p>
-            <a:pPr marL="0" indent="0" algn="just">
-              <a:lnSpc>
-                <a:spcPct val="110000"/>
-              </a:lnSpc>
-              <a:spcBef>
-                <a:spcPts val="150"/>
-              </a:spcBef>
-              <a:buNone/>
-            </a:pPr>
-            <a:r>
-              <a:rPr lang="pt-BR" sz="3000" dirty="0" smtClean="0"/>
-              <a:t>e torna o programa bem sucinto e funcional.</a:t>
-            </a:r>
-            <a:endParaRPr lang="pt-BR" sz="3000" dirty="0"/>
+              <a:rPr lang="pt-BR" sz="3600" dirty="0" smtClean="0"/>
+              <a:t/>
+            </a:r>
+            <a:br>
+              <a:rPr lang="pt-BR" sz="3600" dirty="0" smtClean="0"/>
+            </a:br>
+            <a:r>
+              <a:rPr lang="pt-BR" sz="3600" dirty="0" smtClean="0"/>
+              <a:t>permite uso </a:t>
+            </a:r>
+            <a:r>
+              <a:rPr lang="pt-BR" sz="3600" dirty="0" smtClean="0"/>
+              <a:t>de subprojetos, possui recursos para agrupar, filtrar e classificar tarefas, possui um conjunto padrão de relatórios e os usuários podem criar seus próprios relatórios, permite definição de “semana de trabalho”, etc.</a:t>
+            </a:r>
+            <a:endParaRPr lang="pt-BR" sz="3600" dirty="0"/>
           </a:p>
         </p:txBody>
       </p:sp>
     </p:spTree>
     <p:extLst>
       <p:ext uri="{BB962C8B-B14F-4D97-AF65-F5344CB8AC3E}">
-        <p14:creationId xmlns:p14="http://schemas.microsoft.com/office/powerpoint/2010/main" val="1893748624"/>
+        <p14:creationId xmlns:p14="http://schemas.microsoft.com/office/powerpoint/2010/main" xmlns="" val="1391058596"/>
       </p:ext>
     </p:extLst>
   </p:cSld>
@@ -3792,10 +3952,10 @@
           <a:p>
             <a:pPr algn="l"/>
             <a:r>
-              <a:rPr lang="pt-BR" sz="3200" dirty="0" smtClean="0"/>
-              <a:t>Etapas:</a:t>
-            </a:r>
-            <a:endParaRPr lang="pt-BR" sz="3200" dirty="0"/>
+              <a:rPr lang="pt-BR" sz="4000" dirty="0" smtClean="0"/>
+              <a:t>Modelo Cascata:</a:t>
+            </a:r>
+            <a:endParaRPr lang="pt-BR" sz="4000" dirty="0"/>
           </a:p>
         </p:txBody>
       </p:sp>
@@ -3812,50 +3972,73 @@
         <p:spPr/>
         <p:txBody>
           <a:bodyPr>
-            <a:normAutofit fontScale="92500" lnSpcReduction="20000"/>
+            <a:normAutofit fontScale="85000" lnSpcReduction="10000"/>
           </a:bodyPr>
           <a:lstStyle/>
           <a:p>
-            <a:pPr algn="just"/>
-            <a:r>
-              <a:rPr lang="pt-BR" sz="3000" dirty="0"/>
-              <a:t>Descoberta dos requisitos funcionais e não funcionais junto com o Cliente</a:t>
-            </a:r>
-            <a:r>
-              <a:rPr lang="pt-BR" sz="3000" dirty="0" smtClean="0"/>
-              <a:t>.</a:t>
-            </a:r>
-          </a:p>
-          <a:p>
-            <a:pPr lvl="0" algn="just"/>
-            <a:r>
-              <a:rPr lang="pt-BR" sz="3000" dirty="0"/>
-              <a:t>Analise dos requisitos(documento) e projeção do que será implementado e a forma do andamento do projeto(cronograma).</a:t>
-            </a:r>
-          </a:p>
-          <a:p>
-            <a:pPr lvl="0" algn="just"/>
-            <a:r>
-              <a:rPr lang="pt-BR" sz="3000" dirty="0"/>
-              <a:t>É repassado ao Cliente o que será feito e o mesmo dá seu aval para que o mesmo comece a ser implementado.</a:t>
-            </a:r>
-          </a:p>
-          <a:p>
-            <a:pPr lvl="0" algn="just"/>
-            <a:r>
-              <a:rPr lang="pt-BR" sz="3000" dirty="0"/>
-              <a:t>Começa a fase de implementação do sistema com todos os componentes declarados no documento de requisitos.</a:t>
-            </a:r>
-          </a:p>
-          <a:p>
-            <a:endParaRPr lang="pt-BR" sz="2800" dirty="0"/>
+            <a:pPr marL="0" indent="0" algn="just">
+              <a:lnSpc>
+                <a:spcPct val="110000"/>
+              </a:lnSpc>
+              <a:spcBef>
+                <a:spcPts val="150"/>
+              </a:spcBef>
+              <a:buNone/>
+            </a:pPr>
+            <a:r>
+              <a:rPr lang="pt-BR" dirty="0" smtClean="0"/>
+              <a:t>	</a:t>
+            </a:r>
+            <a:r>
+              <a:rPr lang="pt-BR" sz="3500" dirty="0" smtClean="0"/>
+              <a:t>Esse modelo deixa bem definida cada etapa de trabalho e não permiti voltar a etapa anterior.</a:t>
+            </a:r>
+          </a:p>
+          <a:p>
+            <a:pPr marL="0" indent="0" algn="just">
+              <a:lnSpc>
+                <a:spcPct val="110000"/>
+              </a:lnSpc>
+              <a:spcBef>
+                <a:spcPts val="150"/>
+              </a:spcBef>
+              <a:buNone/>
+            </a:pPr>
+            <a:r>
+              <a:rPr lang="pt-BR" sz="3500" dirty="0" smtClean="0"/>
+              <a:t>	Tal modelo se encaixa bem no nosso sistema pelo fato do sistema ser bem simples, de fácil captura de requisitos e não demanda tanto conhecimento específico. </a:t>
+            </a:r>
+          </a:p>
+          <a:p>
+            <a:pPr marL="0" indent="0" algn="just">
+              <a:lnSpc>
+                <a:spcPct val="110000"/>
+              </a:lnSpc>
+              <a:spcBef>
+                <a:spcPts val="150"/>
+              </a:spcBef>
+              <a:buNone/>
+            </a:pPr>
+            <a:r>
+              <a:rPr lang="pt-BR" sz="3500" dirty="0" smtClean="0"/>
+              <a:t>	Com apenas uma passada por etapa é possível entender que o processo foi concluído com </a:t>
+            </a:r>
+            <a:r>
+              <a:rPr lang="pt-BR" sz="3500" dirty="0" smtClean="0"/>
+              <a:t>êxito e </a:t>
+            </a:r>
+            <a:r>
+              <a:rPr lang="pt-BR" sz="3500" dirty="0" smtClean="0"/>
+              <a:t>torna o programa bem sucinto e funcional.</a:t>
+            </a:r>
+            <a:endParaRPr lang="pt-BR" sz="3500" dirty="0"/>
           </a:p>
         </p:txBody>
       </p:sp>
     </p:spTree>
     <p:extLst>
       <p:ext uri="{BB962C8B-B14F-4D97-AF65-F5344CB8AC3E}">
-        <p14:creationId xmlns:p14="http://schemas.microsoft.com/office/powerpoint/2010/main" val="974973174"/>
+        <p14:creationId xmlns:p14="http://schemas.microsoft.com/office/powerpoint/2010/main" xmlns="" val="1893748624"/>
       </p:ext>
     </p:extLst>
   </p:cSld>
@@ -3901,10 +4084,10 @@
           <a:p>
             <a:pPr algn="l"/>
             <a:r>
-              <a:rPr lang="pt-BR" sz="3200" dirty="0" smtClean="0"/>
-              <a:t>Etapas(continuação):</a:t>
-            </a:r>
-            <a:endParaRPr lang="pt-BR" sz="3200" dirty="0"/>
+              <a:rPr lang="pt-BR" sz="4000" dirty="0" smtClean="0"/>
+              <a:t>Etapas:</a:t>
+            </a:r>
+            <a:endParaRPr lang="pt-BR" sz="4000" dirty="0"/>
           </a:p>
         </p:txBody>
       </p:sp>
@@ -3918,45 +4101,53 @@
             <p:ph idx="1"/>
           </p:nvPr>
         </p:nvSpPr>
-        <p:spPr/>
+        <p:spPr>
+          <a:xfrm>
+            <a:off x="467544" y="1196752"/>
+            <a:ext cx="8229600" cy="4525963"/>
+          </a:xfrm>
+        </p:spPr>
         <p:txBody>
           <a:bodyPr>
-            <a:normAutofit/>
+            <a:noAutofit/>
           </a:bodyPr>
           <a:lstStyle/>
           <a:p>
+            <a:pPr algn="just"/>
+            <a:r>
+              <a:rPr lang="pt-BR" dirty="0"/>
+              <a:t>Descoberta dos requisitos funcionais e não funcionais junto com o Cliente</a:t>
+            </a:r>
+            <a:r>
+              <a:rPr lang="pt-BR" dirty="0" smtClean="0"/>
+              <a:t>.</a:t>
+            </a:r>
+          </a:p>
+          <a:p>
             <a:pPr lvl="0" algn="just"/>
             <a:r>
-              <a:rPr lang="pt-BR" sz="2800" dirty="0"/>
-              <a:t>Após o término da implementação do software, o mesmo é testado e se necessário é feito as correções para que o mesmo possa ser entregue ao Cliente.</a:t>
+              <a:rPr lang="pt-BR" dirty="0"/>
+              <a:t>Analise dos requisitos(documento) e projeção do que será implementado e a forma do andamento do projeto(cronograma).</a:t>
             </a:r>
           </a:p>
           <a:p>
             <a:pPr lvl="0" algn="just"/>
             <a:r>
-              <a:rPr lang="pt-BR" sz="2800" dirty="0"/>
-              <a:t>O software é entregue ao Cliente para que o mesmo teste e certifique de que tudo que foi pedido e documentado foi implementado corretamente.</a:t>
-            </a:r>
-          </a:p>
-          <a:p>
-            <a:pPr lvl="0" algn="just"/>
-            <a:r>
-              <a:rPr lang="pt-BR" sz="2800" dirty="0"/>
-              <a:t>A equipe do Sistema fica a disposição para qualquer manutenção que seja necessária no software a fim de que o mesmo não apresente defeitos recorrentes.</a:t>
-            </a:r>
-          </a:p>
-          <a:p>
-            <a:pPr marL="0" indent="0">
-              <a:buNone/>
-            </a:pPr>
-            <a:endParaRPr lang="pt-BR" sz="2800" dirty="0"/>
+              <a:rPr lang="pt-BR" dirty="0"/>
+              <a:t>É repassado ao Cliente o que será feito e o mesmo dá seu aval para que o mesmo comece a ser implementado</a:t>
+            </a:r>
+            <a:r>
+              <a:rPr lang="pt-BR" dirty="0" smtClean="0"/>
+              <a:t>.</a:t>
+            </a:r>
+            <a:endParaRPr lang="pt-BR" dirty="0"/>
           </a:p>
         </p:txBody>
       </p:sp>
     </p:spTree>
     <p:extLst>
       <p:ext uri="{BB962C8B-B14F-4D97-AF65-F5344CB8AC3E}">
-        <p14:creationId xmlns:p14="http://schemas.microsoft.com/office/powerpoint/2010/main" val="1135896540"/>
+        <p14:creationId xmlns:p14="http://schemas.microsoft.com/office/powerpoint/2010/main" xmlns="" val="974973174"/>
       </p:ext>
     </p:extLst>
   </p:cSld>
@@ -3996,84 +4187,82 @@
         <p:spPr/>
         <p:txBody>
           <a:bodyPr>
-            <a:noAutofit/>
+            <a:normAutofit/>
           </a:bodyPr>
           <a:lstStyle/>
           <a:p>
-            <a:pPr algn="ctr"/>
-            <a:r>
-              <a:rPr lang="pt-BR" sz="3200" b="0" smtClean="0"/>
-              <a:t>Diagrama de Recursos</a:t>
-            </a:r>
-            <a:endParaRPr lang="pt-BR" sz="3200" b="0" dirty="0"/>
-          </a:p>
-        </p:txBody>
-      </p:sp>
-      <p:sp>
-        <p:nvSpPr>
-          <p:cNvPr id="4" name="Espaço Reservado para Texto 3"/>
-          <p:cNvSpPr>
-            <a:spLocks noGrp="1"/>
-          </p:cNvSpPr>
-          <p:nvPr>
-            <p:ph type="body" sz="half" idx="2"/>
+            <a:pPr algn="l"/>
+            <a:r>
+              <a:rPr lang="pt-BR" sz="4000" dirty="0" smtClean="0"/>
+              <a:t>Etapas(continuação):</a:t>
+            </a:r>
+            <a:endParaRPr lang="pt-BR" sz="4000" dirty="0"/>
+          </a:p>
+        </p:txBody>
+      </p:sp>
+      <p:sp>
+        <p:nvSpPr>
+          <p:cNvPr id="3" name="Espaço Reservado para Conteúdo 2"/>
+          <p:cNvSpPr>
+            <a:spLocks noGrp="1"/>
+          </p:cNvSpPr>
+          <p:nvPr>
+            <p:ph idx="1"/>
           </p:nvPr>
         </p:nvSpPr>
         <p:spPr>
           <a:xfrm>
-            <a:off x="1792288" y="5367338"/>
-            <a:ext cx="5486400" cy="1158006"/>
+            <a:off x="467544" y="1268760"/>
+            <a:ext cx="8229600" cy="5040560"/>
           </a:xfrm>
         </p:spPr>
         <p:txBody>
           <a:bodyPr>
-            <a:noAutofit/>
+            <a:normAutofit fontScale="70000" lnSpcReduction="20000"/>
           </a:bodyPr>
           <a:lstStyle/>
           <a:p>
-            <a:pPr algn="just"/>
-            <a:r>
-              <a:rPr lang="pt-BR" sz="1800" dirty="0" smtClean="0"/>
-              <a:t>	Nesse diagrama podemos observar  os dados dos integrantes da equipe e a qual grupo cada um pertence assim como o valor da hora de trabalho de cada um.</a:t>
-            </a:r>
-            <a:endParaRPr lang="pt-BR" sz="1800" dirty="0"/>
-          </a:p>
-        </p:txBody>
-      </p:sp>
-      <p:pic>
-        <p:nvPicPr>
-          <p:cNvPr id="7" name="Espaço Reservado para Imagem 6"/>
-          <p:cNvPicPr>
-            <a:picLocks noGrp="1" noChangeAspect="1"/>
-          </p:cNvPicPr>
-          <p:nvPr>
-            <p:ph type="pic" idx="1"/>
-          </p:nvPr>
-        </p:nvPicPr>
-        <p:blipFill>
-          <a:blip r:embed="rId2">
-            <a:extLst>
-              <a:ext uri="{28A0092B-C50C-407E-A947-70E740481C1C}">
-                <a14:useLocalDpi xmlns:a14="http://schemas.microsoft.com/office/drawing/2010/main" val="0"/>
-              </a:ext>
-            </a:extLst>
-          </a:blip>
-          <a:srcRect t="9180" b="9180"/>
-          <a:stretch>
-            <a:fillRect/>
-          </a:stretch>
-        </p:blipFill>
-        <p:spPr>
-          <a:xfrm>
-            <a:off x="179388" y="612775"/>
-            <a:ext cx="8964612" cy="4114800"/>
-          </a:xfrm>
-        </p:spPr>
-      </p:pic>
+            <a:pPr lvl="0" algn="just"/>
+            <a:r>
+              <a:rPr lang="pt-BR" sz="4600" dirty="0" smtClean="0"/>
+              <a:t>Começa a fase de implementação do sistema com todos os componentes declarados no documento de requisitos</a:t>
+            </a:r>
+            <a:r>
+              <a:rPr lang="pt-BR" sz="4600" dirty="0" smtClean="0"/>
+              <a:t>.</a:t>
+            </a:r>
+            <a:endParaRPr lang="pt-BR" sz="4600" dirty="0" smtClean="0"/>
+          </a:p>
+          <a:p>
+            <a:pPr lvl="0" algn="just"/>
+            <a:r>
+              <a:rPr lang="pt-BR" sz="4600" dirty="0" smtClean="0"/>
+              <a:t>Após </a:t>
+            </a:r>
+            <a:r>
+              <a:rPr lang="pt-BR" sz="4600" dirty="0"/>
+              <a:t>o término da implementação do software, o mesmo é testado e se necessário é feito as correções para que o mesmo possa ser entregue ao Cliente.</a:t>
+            </a:r>
+          </a:p>
+          <a:p>
+            <a:pPr lvl="0" algn="just"/>
+            <a:r>
+              <a:rPr lang="pt-BR" sz="4600" dirty="0"/>
+              <a:t>O software é entregue ao Cliente para que o mesmo teste e certifique de que tudo que foi pedido e documentado foi implementado corretamente.</a:t>
+            </a:r>
+          </a:p>
+          <a:p>
+            <a:pPr marL="0" indent="0">
+              <a:buNone/>
+            </a:pPr>
+            <a:endParaRPr lang="pt-BR" sz="2800" dirty="0"/>
+          </a:p>
+        </p:txBody>
+      </p:sp>
     </p:spTree>
     <p:extLst>
       <p:ext uri="{BB962C8B-B14F-4D97-AF65-F5344CB8AC3E}">
-        <p14:creationId xmlns:p14="http://schemas.microsoft.com/office/powerpoint/2010/main" val="4230915993"/>
+        <p14:creationId xmlns:p14="http://schemas.microsoft.com/office/powerpoint/2010/main" xmlns="" val="1135896540"/>
       </p:ext>
     </p:extLst>
   </p:cSld>
@@ -4100,70 +4289,72 @@
           <a:chExt cx="0" cy="0"/>
         </a:xfrm>
       </p:grpSpPr>
-      <p:pic>
-        <p:nvPicPr>
-          <p:cNvPr id="2" name="Imagem 1"/>
-          <p:cNvPicPr>
-            <a:picLocks noChangeAspect="1"/>
-          </p:cNvPicPr>
-          <p:nvPr/>
-        </p:nvPicPr>
-        <p:blipFill>
-          <a:blip r:embed="rId2">
-            <a:extLst>
-              <a:ext uri="{28A0092B-C50C-407E-A947-70E740481C1C}">
-                <a14:useLocalDpi xmlns:a14="http://schemas.microsoft.com/office/drawing/2010/main" val="0"/>
-              </a:ext>
-            </a:extLst>
-          </a:blip>
-          <a:stretch>
-            <a:fillRect/>
-          </a:stretch>
-        </p:blipFill>
+      <p:sp>
+        <p:nvSpPr>
+          <p:cNvPr id="2" name="Título 1"/>
+          <p:cNvSpPr>
+            <a:spLocks noGrp="1"/>
+          </p:cNvSpPr>
+          <p:nvPr>
+            <p:ph type="title"/>
+          </p:nvPr>
+        </p:nvSpPr>
+        <p:spPr/>
+        <p:txBody>
+          <a:bodyPr>
+            <a:normAutofit/>
+          </a:bodyPr>
+          <a:lstStyle/>
+          <a:p>
+            <a:pPr algn="l"/>
+            <a:r>
+              <a:rPr lang="pt-BR" sz="4000" dirty="0" smtClean="0"/>
+              <a:t>Etapas(continuação):</a:t>
+            </a:r>
+            <a:endParaRPr lang="pt-BR" sz="4000" dirty="0"/>
+          </a:p>
+        </p:txBody>
+      </p:sp>
+      <p:sp>
+        <p:nvSpPr>
+          <p:cNvPr id="3" name="Espaço Reservado para Conteúdo 2"/>
+          <p:cNvSpPr>
+            <a:spLocks noGrp="1"/>
+          </p:cNvSpPr>
+          <p:nvPr>
+            <p:ph idx="1"/>
+          </p:nvPr>
+        </p:nvSpPr>
         <p:spPr>
           <a:xfrm>
-            <a:off x="0" y="1268760"/>
-            <a:ext cx="9144000" cy="3187679"/>
+            <a:off x="467544" y="1196752"/>
+            <a:ext cx="8229600" cy="2016224"/>
           </a:xfrm>
-          <a:prstGeom prst="rect">
-            <a:avLst/>
-          </a:prstGeom>
         </p:spPr>
-      </p:pic>
-      <p:sp>
-        <p:nvSpPr>
-          <p:cNvPr id="3" name="CaixaDeTexto 2"/>
-          <p:cNvSpPr txBox="1"/>
-          <p:nvPr/>
-        </p:nvSpPr>
-        <p:spPr>
-          <a:xfrm>
-            <a:off x="2337830" y="5229200"/>
-            <a:ext cx="4468339" cy="523220"/>
-          </a:xfrm>
-          <a:prstGeom prst="rect">
-            <a:avLst/>
-          </a:prstGeom>
-          <a:noFill/>
-        </p:spPr>
-        <p:txBody>
-          <a:bodyPr wrap="none" rtlCol="0">
-            <a:spAutoFit/>
+        <p:txBody>
+          <a:bodyPr>
+            <a:noAutofit/>
           </a:bodyPr>
           <a:lstStyle/>
           <a:p>
-            <a:r>
-              <a:rPr lang="pt-BR" sz="2800" dirty="0" smtClean="0"/>
-              <a:t>Diagrama de Tempo – Parte 1</a:t>
-            </a:r>
-            <a:endParaRPr lang="pt-BR" sz="2800" dirty="0"/>
+            <a:pPr lvl="0" algn="just"/>
+            <a:r>
+              <a:rPr lang="pt-BR" dirty="0" smtClean="0"/>
+              <a:t>A equipe do Sistema fica a disposição para qualquer manutenção que seja necessária no software a fim de que o mesmo não apresente defeitos recorrentes.</a:t>
+            </a:r>
+          </a:p>
+          <a:p>
+            <a:pPr marL="0" indent="0">
+              <a:buNone/>
+            </a:pPr>
+            <a:endParaRPr lang="pt-BR" dirty="0"/>
           </a:p>
         </p:txBody>
       </p:sp>
     </p:spTree>
     <p:extLst>
       <p:ext uri="{BB962C8B-B14F-4D97-AF65-F5344CB8AC3E}">
-        <p14:creationId xmlns:p14="http://schemas.microsoft.com/office/powerpoint/2010/main" val="1841055566"/>
+        <p14:creationId xmlns:p14="http://schemas.microsoft.com/office/powerpoint/2010/main" xmlns="" val="1135896540"/>
       </p:ext>
     </p:extLst>
   </p:cSld>
@@ -4190,70 +4381,97 @@
           <a:chExt cx="0" cy="0"/>
         </a:xfrm>
       </p:grpSpPr>
+      <p:sp>
+        <p:nvSpPr>
+          <p:cNvPr id="2" name="Título 1"/>
+          <p:cNvSpPr>
+            <a:spLocks noGrp="1"/>
+          </p:cNvSpPr>
+          <p:nvPr>
+            <p:ph type="title"/>
+          </p:nvPr>
+        </p:nvSpPr>
+        <p:spPr/>
+        <p:txBody>
+          <a:bodyPr>
+            <a:noAutofit/>
+          </a:bodyPr>
+          <a:lstStyle/>
+          <a:p>
+            <a:pPr algn="ctr"/>
+            <a:r>
+              <a:rPr lang="pt-BR" sz="3200" b="0" smtClean="0"/>
+              <a:t>Diagrama de Recursos</a:t>
+            </a:r>
+            <a:endParaRPr lang="pt-BR" sz="3200" b="0" dirty="0"/>
+          </a:p>
+        </p:txBody>
+      </p:sp>
+      <p:sp>
+        <p:nvSpPr>
+          <p:cNvPr id="4" name="Espaço Reservado para Texto 3"/>
+          <p:cNvSpPr>
+            <a:spLocks noGrp="1"/>
+          </p:cNvSpPr>
+          <p:nvPr>
+            <p:ph type="body" sz="half" idx="2"/>
+          </p:nvPr>
+        </p:nvSpPr>
+        <p:spPr>
+          <a:xfrm>
+            <a:off x="1792288" y="5367338"/>
+            <a:ext cx="5486400" cy="1158006"/>
+          </a:xfrm>
+        </p:spPr>
+        <p:txBody>
+          <a:bodyPr>
+            <a:noAutofit/>
+          </a:bodyPr>
+          <a:lstStyle/>
+          <a:p>
+            <a:pPr algn="just"/>
+            <a:r>
+              <a:rPr lang="pt-BR" sz="1800" dirty="0" smtClean="0"/>
+              <a:t>	Nesse diagrama podemos observar  os dados dos integrantes da equipe e a qual grupo cada um pertence assim como o valor da hora de trabalho de cada um.</a:t>
+            </a:r>
+            <a:endParaRPr lang="pt-BR" sz="1800" dirty="0"/>
+          </a:p>
+        </p:txBody>
+      </p:sp>
       <p:pic>
         <p:nvPicPr>
-          <p:cNvPr id="2" name="Imagem 1"/>
+          <p:cNvPr id="7" name="Espaço Reservado para Imagem 6"/>
           <p:cNvPicPr>
-            <a:picLocks noChangeAspect="1"/>
+            <a:picLocks noGrp="1" noChangeAspect="1"/>
           </p:cNvPicPr>
-          <p:nvPr/>
+          <p:nvPr>
+            <p:ph type="pic" idx="1"/>
+          </p:nvPr>
         </p:nvPicPr>
         <p:blipFill>
-          <a:blip r:embed="rId2">
+          <a:blip r:embed="rId2" cstate="print">
             <a:extLst>
               <a:ext uri="{28A0092B-C50C-407E-A947-70E740481C1C}">
-                <a14:useLocalDpi xmlns:a14="http://schemas.microsoft.com/office/drawing/2010/main" val="0"/>
+                <a14:useLocalDpi xmlns:a14="http://schemas.microsoft.com/office/drawing/2010/main" xmlns="" val="0"/>
               </a:ext>
             </a:extLst>
           </a:blip>
+          <a:srcRect t="9180" b="9180"/>
           <a:stretch>
             <a:fillRect/>
           </a:stretch>
         </p:blipFill>
         <p:spPr>
           <a:xfrm>
-            <a:off x="0" y="1340768"/>
-            <a:ext cx="9144000" cy="3202645"/>
+            <a:off x="179388" y="612775"/>
+            <a:ext cx="8964612" cy="4114800"/>
           </a:xfrm>
-          <a:prstGeom prst="rect">
-            <a:avLst/>
-          </a:prstGeom>
         </p:spPr>
       </p:pic>
-      <p:sp>
-        <p:nvSpPr>
-          <p:cNvPr id="3" name="CaixaDeTexto 2"/>
-          <p:cNvSpPr txBox="1"/>
-          <p:nvPr/>
-        </p:nvSpPr>
-        <p:spPr>
-          <a:xfrm>
-            <a:off x="2337830" y="5229200"/>
-            <a:ext cx="4468339" cy="523220"/>
-          </a:xfrm>
-          <a:prstGeom prst="rect">
-            <a:avLst/>
-          </a:prstGeom>
-          <a:noFill/>
-        </p:spPr>
-        <p:txBody>
-          <a:bodyPr wrap="none" rtlCol="0">
-            <a:spAutoFit/>
-          </a:bodyPr>
-          <a:lstStyle/>
-          <a:p>
-            <a:r>
-              <a:rPr lang="pt-BR" sz="2800" dirty="0" smtClean="0"/>
-              <a:t>Diagrama de Tempo – Parte 2</a:t>
-            </a:r>
-            <a:endParaRPr lang="pt-BR" sz="2800" dirty="0"/>
-          </a:p>
-        </p:txBody>
-      </p:sp>
     </p:spTree>
     <p:extLst>
       <p:ext uri="{BB962C8B-B14F-4D97-AF65-F5344CB8AC3E}">
-        <p14:creationId xmlns:p14="http://schemas.microsoft.com/office/powerpoint/2010/main" val="3388877572"/>
+        <p14:creationId xmlns:p14="http://schemas.microsoft.com/office/powerpoint/2010/main" xmlns="" val="4230915993"/>
       </p:ext>
     </p:extLst>
   </p:cSld>
